--- a/Padrão de Projeto.pptx
+++ b/Padrão de Projeto.pptx
@@ -180,7 +180,7 @@
           <a:noFill/>
           <a:extLst>
             <a:ext uri="{909E8E84-426E-40dd-AFC4-6F175D3DCCD1}">
-              <a14:hiddenFill xmlns:a14="http://schemas.microsoft.com/office/drawing/2010/main" xmlns="">
+              <a14:hiddenFill xmlns="" xmlns:a14="http://schemas.microsoft.com/office/drawing/2010/main">
                 <a:solidFill>
                   <a:srgbClr val="FFFFFF"/>
                 </a:solidFill>
@@ -240,7 +240,7 @@
             </a:ln>
             <a:extLst>
               <a:ext uri="{91240B29-F687-4f45-9708-019B960494DF}">
-                <a14:hiddenLine xmlns:a14="http://schemas.microsoft.com/office/drawing/2010/main" xmlns="" w="9525">
+                <a14:hiddenLine xmlns="" xmlns:a14="http://schemas.microsoft.com/office/drawing/2010/main" w="9525">
                   <a:solidFill>
                     <a:srgbClr val="000000"/>
                   </a:solidFill>
@@ -330,7 +330,7 @@
             </a:ln>
             <a:extLst>
               <a:ext uri="{91240B29-F687-4f45-9708-019B960494DF}">
-                <a14:hiddenLine xmlns:a14="http://schemas.microsoft.com/office/drawing/2010/main" xmlns="" w="9525">
+                <a14:hiddenLine xmlns="" xmlns:a14="http://schemas.microsoft.com/office/drawing/2010/main" w="9525">
                   <a:solidFill>
                     <a:srgbClr val="000000"/>
                   </a:solidFill>
@@ -420,7 +420,7 @@
             </a:ln>
             <a:extLst>
               <a:ext uri="{91240B29-F687-4f45-9708-019B960494DF}">
-                <a14:hiddenLine xmlns:a14="http://schemas.microsoft.com/office/drawing/2010/main" xmlns="" w="9525">
+                <a14:hiddenLine xmlns="" xmlns:a14="http://schemas.microsoft.com/office/drawing/2010/main" w="9525">
                   <a:solidFill>
                     <a:srgbClr val="000000"/>
                   </a:solidFill>
@@ -454,7 +454,7 @@
             </a:ln>
             <a:extLst>
               <a:ext uri="{91240B29-F687-4f45-9708-019B960494DF}">
-                <a14:hiddenLine xmlns:a14="http://schemas.microsoft.com/office/drawing/2010/main" xmlns="" w="9525">
+                <a14:hiddenLine xmlns="" xmlns:a14="http://schemas.microsoft.com/office/drawing/2010/main" w="9525">
                   <a:solidFill>
                     <a:srgbClr val="000000"/>
                   </a:solidFill>
@@ -544,7 +544,7 @@
             </a:ln>
             <a:extLst>
               <a:ext uri="{91240B29-F687-4f45-9708-019B960494DF}">
-                <a14:hiddenLine xmlns:a14="http://schemas.microsoft.com/office/drawing/2010/main" xmlns="" w="9525">
+                <a14:hiddenLine xmlns="" xmlns:a14="http://schemas.microsoft.com/office/drawing/2010/main" w="9525">
                   <a:solidFill>
                     <a:srgbClr val="000000"/>
                   </a:solidFill>
@@ -606,7 +606,7 @@
             </a:ln>
             <a:extLst>
               <a:ext uri="{91240B29-F687-4f45-9708-019B960494DF}">
-                <a14:hiddenLine xmlns:a14="http://schemas.microsoft.com/office/drawing/2010/main" xmlns="" w="9525">
+                <a14:hiddenLine xmlns="" xmlns:a14="http://schemas.microsoft.com/office/drawing/2010/main" w="9525">
                   <a:solidFill>
                     <a:srgbClr val="000000"/>
                   </a:solidFill>
@@ -668,7 +668,7 @@
             </a:ln>
             <a:extLst>
               <a:ext uri="{91240B29-F687-4f45-9708-019B960494DF}">
-                <a14:hiddenLine xmlns:a14="http://schemas.microsoft.com/office/drawing/2010/main" xmlns="" w="9525">
+                <a14:hiddenLine xmlns="" xmlns:a14="http://schemas.microsoft.com/office/drawing/2010/main" w="9525">
                   <a:solidFill>
                     <a:srgbClr val="000000"/>
                   </a:solidFill>
@@ -758,7 +758,7 @@
             </a:ln>
             <a:extLst>
               <a:ext uri="{91240B29-F687-4f45-9708-019B960494DF}">
-                <a14:hiddenLine xmlns:a14="http://schemas.microsoft.com/office/drawing/2010/main" xmlns="" w="9525">
+                <a14:hiddenLine xmlns="" xmlns:a14="http://schemas.microsoft.com/office/drawing/2010/main" w="9525">
                   <a:solidFill>
                     <a:srgbClr val="000000"/>
                   </a:solidFill>
@@ -820,7 +820,7 @@
             </a:ln>
             <a:extLst>
               <a:ext uri="{91240B29-F687-4f45-9708-019B960494DF}">
-                <a14:hiddenLine xmlns:a14="http://schemas.microsoft.com/office/drawing/2010/main" xmlns="" w="9525">
+                <a14:hiddenLine xmlns="" xmlns:a14="http://schemas.microsoft.com/office/drawing/2010/main" w="9525">
                   <a:solidFill>
                     <a:srgbClr val="000000"/>
                   </a:solidFill>
@@ -882,7 +882,7 @@
             </a:ln>
             <a:extLst>
               <a:ext uri="{91240B29-F687-4f45-9708-019B960494DF}">
-                <a14:hiddenLine xmlns:a14="http://schemas.microsoft.com/office/drawing/2010/main" xmlns="" w="9525">
+                <a14:hiddenLine xmlns="" xmlns:a14="http://schemas.microsoft.com/office/drawing/2010/main" w="9525">
                   <a:solidFill>
                     <a:srgbClr val="000000"/>
                   </a:solidFill>
@@ -972,7 +972,7 @@
             </a:ln>
             <a:extLst>
               <a:ext uri="{91240B29-F687-4f45-9708-019B960494DF}">
-                <a14:hiddenLine xmlns:a14="http://schemas.microsoft.com/office/drawing/2010/main" xmlns="" w="9525">
+                <a14:hiddenLine xmlns="" xmlns:a14="http://schemas.microsoft.com/office/drawing/2010/main" w="9525">
                   <a:solidFill>
                     <a:srgbClr val="000000"/>
                   </a:solidFill>
@@ -1062,7 +1062,7 @@
             </a:ln>
             <a:extLst>
               <a:ext uri="{91240B29-F687-4f45-9708-019B960494DF}">
-                <a14:hiddenLine xmlns:a14="http://schemas.microsoft.com/office/drawing/2010/main" xmlns="" w="9525">
+                <a14:hiddenLine xmlns="" xmlns:a14="http://schemas.microsoft.com/office/drawing/2010/main" w="9525">
                   <a:solidFill>
                     <a:srgbClr val="000000"/>
                   </a:solidFill>
@@ -1124,7 +1124,7 @@
             </a:ln>
             <a:extLst>
               <a:ext uri="{91240B29-F687-4f45-9708-019B960494DF}">
-                <a14:hiddenLine xmlns:a14="http://schemas.microsoft.com/office/drawing/2010/main" xmlns="" w="9525">
+                <a14:hiddenLine xmlns="" xmlns:a14="http://schemas.microsoft.com/office/drawing/2010/main" w="9525">
                   <a:solidFill>
                     <a:srgbClr val="000000"/>
                   </a:solidFill>
@@ -1234,7 +1234,7 @@
             </a:ln>
             <a:extLst>
               <a:ext uri="{91240B29-F687-4f45-9708-019B960494DF}">
-                <a14:hiddenLine xmlns:a14="http://schemas.microsoft.com/office/drawing/2010/main" xmlns="" w="9525">
+                <a14:hiddenLine xmlns="" xmlns:a14="http://schemas.microsoft.com/office/drawing/2010/main" w="9525">
                   <a:solidFill>
                     <a:srgbClr val="000000"/>
                   </a:solidFill>
@@ -1296,7 +1296,7 @@
             </a:ln>
             <a:extLst>
               <a:ext uri="{91240B29-F687-4f45-9708-019B960494DF}">
-                <a14:hiddenLine xmlns:a14="http://schemas.microsoft.com/office/drawing/2010/main" xmlns="" w="9525">
+                <a14:hiddenLine xmlns="" xmlns:a14="http://schemas.microsoft.com/office/drawing/2010/main" w="9525">
                   <a:solidFill>
                     <a:srgbClr val="000000"/>
                   </a:solidFill>
@@ -1386,7 +1386,7 @@
             </a:ln>
             <a:extLst>
               <a:ext uri="{91240B29-F687-4f45-9708-019B960494DF}">
-                <a14:hiddenLine xmlns:a14="http://schemas.microsoft.com/office/drawing/2010/main" xmlns="" w="9525">
+                <a14:hiddenLine xmlns="" xmlns:a14="http://schemas.microsoft.com/office/drawing/2010/main" w="9525">
                   <a:solidFill>
                     <a:srgbClr val="000000"/>
                   </a:solidFill>
@@ -1476,7 +1476,7 @@
             </a:ln>
             <a:extLst>
               <a:ext uri="{91240B29-F687-4f45-9708-019B960494DF}">
-                <a14:hiddenLine xmlns:a14="http://schemas.microsoft.com/office/drawing/2010/main" xmlns="" w="9525">
+                <a14:hiddenLine xmlns="" xmlns:a14="http://schemas.microsoft.com/office/drawing/2010/main" w="9525">
                   <a:solidFill>
                     <a:srgbClr val="000000"/>
                   </a:solidFill>
@@ -1538,7 +1538,7 @@
             </a:ln>
             <a:extLst>
               <a:ext uri="{91240B29-F687-4f45-9708-019B960494DF}">
-                <a14:hiddenLine xmlns:a14="http://schemas.microsoft.com/office/drawing/2010/main" xmlns="" w="9525">
+                <a14:hiddenLine xmlns="" xmlns:a14="http://schemas.microsoft.com/office/drawing/2010/main" w="9525">
                   <a:solidFill>
                     <a:srgbClr val="000000"/>
                   </a:solidFill>
@@ -1628,7 +1628,7 @@
             </a:ln>
             <a:extLst>
               <a:ext uri="{91240B29-F687-4f45-9708-019B960494DF}">
-                <a14:hiddenLine xmlns:a14="http://schemas.microsoft.com/office/drawing/2010/main" xmlns="" w="9525">
+                <a14:hiddenLine xmlns="" xmlns:a14="http://schemas.microsoft.com/office/drawing/2010/main" w="9525">
                   <a:solidFill>
                     <a:srgbClr val="000000"/>
                   </a:solidFill>
@@ -1718,7 +1718,7 @@
             </a:ln>
             <a:extLst>
               <a:ext uri="{91240B29-F687-4f45-9708-019B960494DF}">
-                <a14:hiddenLine xmlns:a14="http://schemas.microsoft.com/office/drawing/2010/main" xmlns="" w="9525">
+                <a14:hiddenLine xmlns="" xmlns:a14="http://schemas.microsoft.com/office/drawing/2010/main" w="9525">
                   <a:solidFill>
                     <a:srgbClr val="000000"/>
                   </a:solidFill>
@@ -1774,7 +1774,7 @@
             </a:ln>
             <a:extLst>
               <a:ext uri="{91240B29-F687-4f45-9708-019B960494DF}">
-                <a14:hiddenLine xmlns:a14="http://schemas.microsoft.com/office/drawing/2010/main" xmlns="" w="9525">
+                <a14:hiddenLine xmlns="" xmlns:a14="http://schemas.microsoft.com/office/drawing/2010/main" w="9525">
                   <a:solidFill>
                     <a:srgbClr val="000000"/>
                   </a:solidFill>
@@ -1864,7 +1864,7 @@
             </a:ln>
             <a:extLst>
               <a:ext uri="{91240B29-F687-4f45-9708-019B960494DF}">
-                <a14:hiddenLine xmlns:a14="http://schemas.microsoft.com/office/drawing/2010/main" xmlns="" w="9525">
+                <a14:hiddenLine xmlns="" xmlns:a14="http://schemas.microsoft.com/office/drawing/2010/main" w="9525">
                   <a:solidFill>
                     <a:srgbClr val="000000"/>
                   </a:solidFill>
@@ -1920,7 +1920,7 @@
             </a:ln>
             <a:extLst>
               <a:ext uri="{91240B29-F687-4f45-9708-019B960494DF}">
-                <a14:hiddenLine xmlns:a14="http://schemas.microsoft.com/office/drawing/2010/main" xmlns="" w="9525">
+                <a14:hiddenLine xmlns="" xmlns:a14="http://schemas.microsoft.com/office/drawing/2010/main" w="9525">
                   <a:solidFill>
                     <a:srgbClr val="000000"/>
                   </a:solidFill>
@@ -2010,7 +2010,7 @@
             </a:ln>
             <a:extLst>
               <a:ext uri="{91240B29-F687-4f45-9708-019B960494DF}">
-                <a14:hiddenLine xmlns:a14="http://schemas.microsoft.com/office/drawing/2010/main" xmlns="" w="9525">
+                <a14:hiddenLine xmlns="" xmlns:a14="http://schemas.microsoft.com/office/drawing/2010/main" w="9525">
                   <a:solidFill>
                     <a:srgbClr val="000000"/>
                   </a:solidFill>
@@ -2078,7 +2078,7 @@
             </a:ln>
             <a:extLst>
               <a:ext uri="{91240B29-F687-4f45-9708-019B960494DF}">
-                <a14:hiddenLine xmlns:a14="http://schemas.microsoft.com/office/drawing/2010/main" xmlns="" w="9525">
+                <a14:hiddenLine xmlns="" xmlns:a14="http://schemas.microsoft.com/office/drawing/2010/main" w="9525">
                   <a:solidFill>
                     <a:srgbClr val="000000"/>
                   </a:solidFill>
@@ -2168,7 +2168,7 @@
             </a:ln>
             <a:extLst>
               <a:ext uri="{91240B29-F687-4f45-9708-019B960494DF}">
-                <a14:hiddenLine xmlns:a14="http://schemas.microsoft.com/office/drawing/2010/main" xmlns="" w="9525">
+                <a14:hiddenLine xmlns="" xmlns:a14="http://schemas.microsoft.com/office/drawing/2010/main" w="9525">
                   <a:solidFill>
                     <a:srgbClr val="000000"/>
                   </a:solidFill>
@@ -2236,7 +2236,7 @@
             </a:ln>
             <a:extLst>
               <a:ext uri="{91240B29-F687-4f45-9708-019B960494DF}">
-                <a14:hiddenLine xmlns:a14="http://schemas.microsoft.com/office/drawing/2010/main" xmlns="" w="9525">
+                <a14:hiddenLine xmlns="" xmlns:a14="http://schemas.microsoft.com/office/drawing/2010/main" w="9525">
                   <a:solidFill>
                     <a:srgbClr val="000000"/>
                   </a:solidFill>
@@ -2326,7 +2326,7 @@
             </a:ln>
             <a:extLst>
               <a:ext uri="{91240B29-F687-4f45-9708-019B960494DF}">
-                <a14:hiddenLine xmlns:a14="http://schemas.microsoft.com/office/drawing/2010/main" xmlns="" w="9525">
+                <a14:hiddenLine xmlns="" xmlns:a14="http://schemas.microsoft.com/office/drawing/2010/main" w="9525">
                   <a:solidFill>
                     <a:srgbClr val="000000"/>
                   </a:solidFill>
@@ -2360,7 +2360,7 @@
             </a:ln>
             <a:extLst>
               <a:ext uri="{91240B29-F687-4f45-9708-019B960494DF}">
-                <a14:hiddenLine xmlns:a14="http://schemas.microsoft.com/office/drawing/2010/main" xmlns="" w="9525">
+                <a14:hiddenLine xmlns="" xmlns:a14="http://schemas.microsoft.com/office/drawing/2010/main" w="9525">
                   <a:solidFill>
                     <a:srgbClr val="000000"/>
                   </a:solidFill>
@@ -2450,7 +2450,7 @@
             </a:ln>
             <a:extLst>
               <a:ext uri="{91240B29-F687-4f45-9708-019B960494DF}">
-                <a14:hiddenLine xmlns:a14="http://schemas.microsoft.com/office/drawing/2010/main" xmlns="" w="9525">
+                <a14:hiddenLine xmlns="" xmlns:a14="http://schemas.microsoft.com/office/drawing/2010/main" w="9525">
                   <a:solidFill>
                     <a:srgbClr val="000000"/>
                   </a:solidFill>
@@ -2512,7 +2512,7 @@
             </a:ln>
             <a:extLst>
               <a:ext uri="{91240B29-F687-4f45-9708-019B960494DF}">
-                <a14:hiddenLine xmlns:a14="http://schemas.microsoft.com/office/drawing/2010/main" xmlns="" w="9525">
+                <a14:hiddenLine xmlns="" xmlns:a14="http://schemas.microsoft.com/office/drawing/2010/main" w="9525">
                   <a:solidFill>
                     <a:srgbClr val="000000"/>
                   </a:solidFill>
@@ -2574,7 +2574,7 @@
             </a:ln>
             <a:extLst>
               <a:ext uri="{91240B29-F687-4f45-9708-019B960494DF}">
-                <a14:hiddenLine xmlns:a14="http://schemas.microsoft.com/office/drawing/2010/main" xmlns="" w="9525">
+                <a14:hiddenLine xmlns="" xmlns:a14="http://schemas.microsoft.com/office/drawing/2010/main" w="9525">
                   <a:solidFill>
                     <a:srgbClr val="000000"/>
                   </a:solidFill>
@@ -2664,7 +2664,7 @@
             </a:ln>
             <a:extLst>
               <a:ext uri="{91240B29-F687-4f45-9708-019B960494DF}">
-                <a14:hiddenLine xmlns:a14="http://schemas.microsoft.com/office/drawing/2010/main" xmlns="" w="9525">
+                <a14:hiddenLine xmlns="" xmlns:a14="http://schemas.microsoft.com/office/drawing/2010/main" w="9525">
                   <a:solidFill>
                     <a:srgbClr val="000000"/>
                   </a:solidFill>
@@ -2732,7 +2732,7 @@
             </a:ln>
             <a:extLst>
               <a:ext uri="{91240B29-F687-4f45-9708-019B960494DF}">
-                <a14:hiddenLine xmlns:a14="http://schemas.microsoft.com/office/drawing/2010/main" xmlns="" w="9525">
+                <a14:hiddenLine xmlns="" xmlns:a14="http://schemas.microsoft.com/office/drawing/2010/main" w="9525">
                   <a:solidFill>
                     <a:srgbClr val="000000"/>
                   </a:solidFill>
@@ -2794,7 +2794,7 @@
             </a:ln>
             <a:extLst>
               <a:ext uri="{91240B29-F687-4f45-9708-019B960494DF}">
-                <a14:hiddenLine xmlns:a14="http://schemas.microsoft.com/office/drawing/2010/main" xmlns="" w="9525">
+                <a14:hiddenLine xmlns="" xmlns:a14="http://schemas.microsoft.com/office/drawing/2010/main" w="9525">
                   <a:solidFill>
                     <a:srgbClr val="000000"/>
                   </a:solidFill>
@@ -2884,7 +2884,7 @@
             </a:ln>
             <a:extLst>
               <a:ext uri="{91240B29-F687-4f45-9708-019B960494DF}">
-                <a14:hiddenLine xmlns:a14="http://schemas.microsoft.com/office/drawing/2010/main" xmlns="" w="9525">
+                <a14:hiddenLine xmlns="" xmlns:a14="http://schemas.microsoft.com/office/drawing/2010/main" w="9525">
                   <a:solidFill>
                     <a:srgbClr val="000000"/>
                   </a:solidFill>
@@ -2946,7 +2946,7 @@
             </a:ln>
             <a:extLst>
               <a:ext uri="{91240B29-F687-4f45-9708-019B960494DF}">
-                <a14:hiddenLine xmlns:a14="http://schemas.microsoft.com/office/drawing/2010/main" xmlns="" w="9525">
+                <a14:hiddenLine xmlns="" xmlns:a14="http://schemas.microsoft.com/office/drawing/2010/main" w="9525">
                   <a:solidFill>
                     <a:srgbClr val="000000"/>
                   </a:solidFill>
@@ -3036,7 +3036,7 @@
             </a:ln>
             <a:extLst>
               <a:ext uri="{91240B29-F687-4f45-9708-019B960494DF}">
-                <a14:hiddenLine xmlns:a14="http://schemas.microsoft.com/office/drawing/2010/main" xmlns="" w="9525">
+                <a14:hiddenLine xmlns="" xmlns:a14="http://schemas.microsoft.com/office/drawing/2010/main" w="9525">
                   <a:solidFill>
                     <a:srgbClr val="000000"/>
                   </a:solidFill>
@@ -3098,7 +3098,7 @@
             </a:ln>
             <a:extLst>
               <a:ext uri="{91240B29-F687-4f45-9708-019B960494DF}">
-                <a14:hiddenLine xmlns:a14="http://schemas.microsoft.com/office/drawing/2010/main" xmlns="" w="9525">
+                <a14:hiddenLine xmlns="" xmlns:a14="http://schemas.microsoft.com/office/drawing/2010/main" w="9525">
                   <a:solidFill>
                     <a:srgbClr val="000000"/>
                   </a:solidFill>
@@ -3188,7 +3188,7 @@
             </a:ln>
             <a:extLst>
               <a:ext uri="{91240B29-F687-4f45-9708-019B960494DF}">
-                <a14:hiddenLine xmlns:a14="http://schemas.microsoft.com/office/drawing/2010/main" xmlns="" w="9525">
+                <a14:hiddenLine xmlns="" xmlns:a14="http://schemas.microsoft.com/office/drawing/2010/main" w="9525">
                   <a:solidFill>
                     <a:srgbClr val="000000"/>
                   </a:solidFill>
@@ -3222,7 +3222,7 @@
             </a:ln>
             <a:extLst>
               <a:ext uri="{91240B29-F687-4f45-9708-019B960494DF}">
-                <a14:hiddenLine xmlns:a14="http://schemas.microsoft.com/office/drawing/2010/main" xmlns="" w="9525">
+                <a14:hiddenLine xmlns="" xmlns:a14="http://schemas.microsoft.com/office/drawing/2010/main" w="9525">
                   <a:solidFill>
                     <a:srgbClr val="000000"/>
                   </a:solidFill>
@@ -3287,7 +3287,7 @@
             </a:ln>
             <a:extLst>
               <a:ext uri="{91240B29-F687-4f45-9708-019B960494DF}">
-                <a14:hiddenLine xmlns:a14="http://schemas.microsoft.com/office/drawing/2010/main" xmlns="" w="9525">
+                <a14:hiddenLine xmlns="" xmlns:a14="http://schemas.microsoft.com/office/drawing/2010/main" w="9525">
                   <a:solidFill>
                     <a:srgbClr val="000000"/>
                   </a:solidFill>
@@ -3377,7 +3377,7 @@
             </a:ln>
             <a:extLst>
               <a:ext uri="{91240B29-F687-4f45-9708-019B960494DF}">
-                <a14:hiddenLine xmlns:a14="http://schemas.microsoft.com/office/drawing/2010/main" xmlns="" w="9525">
+                <a14:hiddenLine xmlns="" xmlns:a14="http://schemas.microsoft.com/office/drawing/2010/main" w="9525">
                   <a:solidFill>
                     <a:srgbClr val="000000"/>
                   </a:solidFill>
@@ -3439,7 +3439,7 @@
             </a:ln>
             <a:extLst>
               <a:ext uri="{91240B29-F687-4f45-9708-019B960494DF}">
-                <a14:hiddenLine xmlns:a14="http://schemas.microsoft.com/office/drawing/2010/main" xmlns="" w="9525">
+                <a14:hiddenLine xmlns="" xmlns:a14="http://schemas.microsoft.com/office/drawing/2010/main" w="9525">
                   <a:solidFill>
                     <a:srgbClr val="000000"/>
                   </a:solidFill>
@@ -3529,7 +3529,7 @@
             </a:ln>
             <a:extLst>
               <a:ext uri="{91240B29-F687-4f45-9708-019B960494DF}">
-                <a14:hiddenLine xmlns:a14="http://schemas.microsoft.com/office/drawing/2010/main" xmlns="" w="9525">
+                <a14:hiddenLine xmlns="" xmlns:a14="http://schemas.microsoft.com/office/drawing/2010/main" w="9525">
                   <a:solidFill>
                     <a:srgbClr val="000000"/>
                   </a:solidFill>
@@ -3619,7 +3619,7 @@
             </a:ln>
             <a:extLst>
               <a:ext uri="{91240B29-F687-4f45-9708-019B960494DF}">
-                <a14:hiddenLine xmlns:a14="http://schemas.microsoft.com/office/drawing/2010/main" xmlns="" w="9525">
+                <a14:hiddenLine xmlns="" xmlns:a14="http://schemas.microsoft.com/office/drawing/2010/main" w="9525">
                   <a:solidFill>
                     <a:srgbClr val="000000"/>
                   </a:solidFill>
@@ -3684,7 +3684,7 @@
             </a:ln>
             <a:extLst>
               <a:ext uri="{91240B29-F687-4f45-9708-019B960494DF}">
-                <a14:hiddenLine xmlns:a14="http://schemas.microsoft.com/office/drawing/2010/main" xmlns="" w="9525">
+                <a14:hiddenLine xmlns="" xmlns:a14="http://schemas.microsoft.com/office/drawing/2010/main" w="9525">
                   <a:solidFill>
                     <a:srgbClr val="000000"/>
                   </a:solidFill>
@@ -3746,7 +3746,7 @@
             </a:ln>
             <a:extLst>
               <a:ext uri="{91240B29-F687-4f45-9708-019B960494DF}">
-                <a14:hiddenLine xmlns:a14="http://schemas.microsoft.com/office/drawing/2010/main" xmlns="" w="9525">
+                <a14:hiddenLine xmlns="" xmlns:a14="http://schemas.microsoft.com/office/drawing/2010/main" w="9525">
                   <a:solidFill>
                     <a:srgbClr val="000000"/>
                   </a:solidFill>
@@ -3836,7 +3836,7 @@
             </a:ln>
             <a:extLst>
               <a:ext uri="{91240B29-F687-4f45-9708-019B960494DF}">
-                <a14:hiddenLine xmlns:a14="http://schemas.microsoft.com/office/drawing/2010/main" xmlns="" w="9525">
+                <a14:hiddenLine xmlns="" xmlns:a14="http://schemas.microsoft.com/office/drawing/2010/main" w="9525">
                   <a:solidFill>
                     <a:srgbClr val="000000"/>
                   </a:solidFill>
@@ -3926,7 +3926,7 @@
             </a:ln>
             <a:extLst>
               <a:ext uri="{91240B29-F687-4f45-9708-019B960494DF}">
-                <a14:hiddenLine xmlns:a14="http://schemas.microsoft.com/office/drawing/2010/main" xmlns="" w="9525">
+                <a14:hiddenLine xmlns="" xmlns:a14="http://schemas.microsoft.com/office/drawing/2010/main" w="9525">
                   <a:solidFill>
                     <a:srgbClr val="000000"/>
                   </a:solidFill>
@@ -3988,7 +3988,7 @@
             </a:ln>
             <a:extLst>
               <a:ext uri="{91240B29-F687-4f45-9708-019B960494DF}">
-                <a14:hiddenLine xmlns:a14="http://schemas.microsoft.com/office/drawing/2010/main" xmlns="" w="9525">
+                <a14:hiddenLine xmlns="" xmlns:a14="http://schemas.microsoft.com/office/drawing/2010/main" w="9525">
                   <a:solidFill>
                     <a:srgbClr val="000000"/>
                   </a:solidFill>
@@ -4108,7 +4108,7 @@
             </a:ln>
             <a:extLst>
               <a:ext uri="{91240B29-F687-4f45-9708-019B960494DF}">
-                <a14:hiddenLine xmlns:a14="http://schemas.microsoft.com/office/drawing/2010/main" xmlns="" w="9525">
+                <a14:hiddenLine xmlns="" xmlns:a14="http://schemas.microsoft.com/office/drawing/2010/main" w="9525">
                   <a:solidFill>
                     <a:srgbClr val="000000"/>
                   </a:solidFill>
@@ -4176,7 +4176,7 @@
             </a:ln>
             <a:extLst>
               <a:ext uri="{91240B29-F687-4f45-9708-019B960494DF}">
-                <a14:hiddenLine xmlns:a14="http://schemas.microsoft.com/office/drawing/2010/main" xmlns="" w="9525">
+                <a14:hiddenLine xmlns="" xmlns:a14="http://schemas.microsoft.com/office/drawing/2010/main" w="9525">
                   <a:solidFill>
                     <a:srgbClr val="000000"/>
                   </a:solidFill>
@@ -4266,7 +4266,7 @@
             </a:ln>
             <a:extLst>
               <a:ext uri="{91240B29-F687-4f45-9708-019B960494DF}">
-                <a14:hiddenLine xmlns:a14="http://schemas.microsoft.com/office/drawing/2010/main" xmlns="" w="9525">
+                <a14:hiddenLine xmlns="" xmlns:a14="http://schemas.microsoft.com/office/drawing/2010/main" w="9525">
                   <a:solidFill>
                     <a:srgbClr val="000000"/>
                   </a:solidFill>
@@ -9107,7 +9107,7 @@
           <a:noFill/>
           <a:extLst>
             <a:ext uri="{909E8E84-426E-40dd-AFC4-6F175D3DCCD1}">
-              <a14:hiddenFill xmlns:a14="http://schemas.microsoft.com/office/drawing/2010/main" xmlns="">
+              <a14:hiddenFill xmlns="" xmlns:a14="http://schemas.microsoft.com/office/drawing/2010/main">
                 <a:solidFill>
                   <a:srgbClr val="FFFFFF"/>
                 </a:solidFill>
@@ -9181,7 +9181,7 @@
               </a:ln>
               <a:extLst>
                 <a:ext uri="{91240B29-F687-4f45-9708-019B960494DF}">
-                  <a14:hiddenLine xmlns:a14="http://schemas.microsoft.com/office/drawing/2010/main" xmlns="" w="9525">
+                  <a14:hiddenLine xmlns="" xmlns:a14="http://schemas.microsoft.com/office/drawing/2010/main" w="9525">
                     <a:solidFill>
                       <a:srgbClr val="000000"/>
                     </a:solidFill>
@@ -9271,7 +9271,7 @@
               </a:ln>
               <a:extLst>
                 <a:ext uri="{91240B29-F687-4f45-9708-019B960494DF}">
-                  <a14:hiddenLine xmlns:a14="http://schemas.microsoft.com/office/drawing/2010/main" xmlns="" w="9525">
+                  <a14:hiddenLine xmlns="" xmlns:a14="http://schemas.microsoft.com/office/drawing/2010/main" w="9525">
                     <a:solidFill>
                       <a:srgbClr val="000000"/>
                     </a:solidFill>
@@ -9361,7 +9361,7 @@
               </a:ln>
               <a:extLst>
                 <a:ext uri="{91240B29-F687-4f45-9708-019B960494DF}">
-                  <a14:hiddenLine xmlns:a14="http://schemas.microsoft.com/office/drawing/2010/main" xmlns="" w="9525">
+                  <a14:hiddenLine xmlns="" xmlns:a14="http://schemas.microsoft.com/office/drawing/2010/main" w="9525">
                     <a:solidFill>
                       <a:srgbClr val="000000"/>
                     </a:solidFill>
@@ -9423,7 +9423,7 @@
               </a:ln>
               <a:extLst>
                 <a:ext uri="{91240B29-F687-4f45-9708-019B960494DF}">
-                  <a14:hiddenLine xmlns:a14="http://schemas.microsoft.com/office/drawing/2010/main" xmlns="" w="9525">
+                  <a14:hiddenLine xmlns="" xmlns:a14="http://schemas.microsoft.com/office/drawing/2010/main" w="9525">
                     <a:solidFill>
                       <a:srgbClr val="000000"/>
                     </a:solidFill>
@@ -9513,7 +9513,7 @@
               </a:ln>
               <a:extLst>
                 <a:ext uri="{91240B29-F687-4f45-9708-019B960494DF}">
-                  <a14:hiddenLine xmlns:a14="http://schemas.microsoft.com/office/drawing/2010/main" xmlns="" w="9525">
+                  <a14:hiddenLine xmlns="" xmlns:a14="http://schemas.microsoft.com/office/drawing/2010/main" w="9525">
                     <a:solidFill>
                       <a:srgbClr val="000000"/>
                     </a:solidFill>
@@ -9575,7 +9575,7 @@
               </a:ln>
               <a:extLst>
                 <a:ext uri="{91240B29-F687-4f45-9708-019B960494DF}">
-                  <a14:hiddenLine xmlns:a14="http://schemas.microsoft.com/office/drawing/2010/main" xmlns="" w="9525">
+                  <a14:hiddenLine xmlns="" xmlns:a14="http://schemas.microsoft.com/office/drawing/2010/main" w="9525">
                     <a:solidFill>
                       <a:srgbClr val="000000"/>
                     </a:solidFill>
@@ -9637,7 +9637,7 @@
               </a:ln>
               <a:extLst>
                 <a:ext uri="{91240B29-F687-4f45-9708-019B960494DF}">
-                  <a14:hiddenLine xmlns:a14="http://schemas.microsoft.com/office/drawing/2010/main" xmlns="" w="9525">
+                  <a14:hiddenLine xmlns="" xmlns:a14="http://schemas.microsoft.com/office/drawing/2010/main" w="9525">
                     <a:solidFill>
                       <a:srgbClr val="000000"/>
                     </a:solidFill>
@@ -9727,7 +9727,7 @@
               </a:ln>
               <a:extLst>
                 <a:ext uri="{91240B29-F687-4f45-9708-019B960494DF}">
-                  <a14:hiddenLine xmlns:a14="http://schemas.microsoft.com/office/drawing/2010/main" xmlns="" w="9525">
+                  <a14:hiddenLine xmlns="" xmlns:a14="http://schemas.microsoft.com/office/drawing/2010/main" w="9525">
                     <a:solidFill>
                       <a:srgbClr val="000000"/>
                     </a:solidFill>
@@ -9817,7 +9817,7 @@
               </a:ln>
               <a:extLst>
                 <a:ext uri="{91240B29-F687-4f45-9708-019B960494DF}">
-                  <a14:hiddenLine xmlns:a14="http://schemas.microsoft.com/office/drawing/2010/main" xmlns="" w="9525">
+                  <a14:hiddenLine xmlns="" xmlns:a14="http://schemas.microsoft.com/office/drawing/2010/main" w="9525">
                     <a:solidFill>
                       <a:srgbClr val="000000"/>
                     </a:solidFill>
@@ -9879,7 +9879,7 @@
               </a:ln>
               <a:extLst>
                 <a:ext uri="{91240B29-F687-4f45-9708-019B960494DF}">
-                  <a14:hiddenLine xmlns:a14="http://schemas.microsoft.com/office/drawing/2010/main" xmlns="" w="9525">
+                  <a14:hiddenLine xmlns="" xmlns:a14="http://schemas.microsoft.com/office/drawing/2010/main" w="9525">
                     <a:solidFill>
                       <a:srgbClr val="000000"/>
                     </a:solidFill>
@@ -9989,7 +9989,7 @@
               </a:ln>
               <a:extLst>
                 <a:ext uri="{91240B29-F687-4f45-9708-019B960494DF}">
-                  <a14:hiddenLine xmlns:a14="http://schemas.microsoft.com/office/drawing/2010/main" xmlns="" w="9525">
+                  <a14:hiddenLine xmlns="" xmlns:a14="http://schemas.microsoft.com/office/drawing/2010/main" w="9525">
                     <a:solidFill>
                       <a:srgbClr val="000000"/>
                     </a:solidFill>
@@ -10073,7 +10073,7 @@
               </a:ln>
               <a:extLst>
                 <a:ext uri="{91240B29-F687-4f45-9708-019B960494DF}">
-                  <a14:hiddenLine xmlns:a14="http://schemas.microsoft.com/office/drawing/2010/main" xmlns="" w="9525">
+                  <a14:hiddenLine xmlns="" xmlns:a14="http://schemas.microsoft.com/office/drawing/2010/main" w="9525">
                     <a:solidFill>
                       <a:srgbClr val="000000"/>
                     </a:solidFill>
@@ -10135,7 +10135,7 @@
               </a:ln>
               <a:extLst>
                 <a:ext uri="{91240B29-F687-4f45-9708-019B960494DF}">
-                  <a14:hiddenLine xmlns:a14="http://schemas.microsoft.com/office/drawing/2010/main" xmlns="" w="9525">
+                  <a14:hiddenLine xmlns="" xmlns:a14="http://schemas.microsoft.com/office/drawing/2010/main" w="9525">
                     <a:solidFill>
                       <a:srgbClr val="000000"/>
                     </a:solidFill>
@@ -10197,7 +10197,7 @@
               </a:ln>
               <a:extLst>
                 <a:ext uri="{91240B29-F687-4f45-9708-019B960494DF}">
-                  <a14:hiddenLine xmlns:a14="http://schemas.microsoft.com/office/drawing/2010/main" xmlns="" w="9525">
+                  <a14:hiddenLine xmlns="" xmlns:a14="http://schemas.microsoft.com/office/drawing/2010/main" w="9525">
                     <a:solidFill>
                       <a:srgbClr val="000000"/>
                     </a:solidFill>
@@ -10287,7 +10287,7 @@
               </a:ln>
               <a:extLst>
                 <a:ext uri="{91240B29-F687-4f45-9708-019B960494DF}">
-                  <a14:hiddenLine xmlns:a14="http://schemas.microsoft.com/office/drawing/2010/main" xmlns="" w="9525">
+                  <a14:hiddenLine xmlns="" xmlns:a14="http://schemas.microsoft.com/office/drawing/2010/main" w="9525">
                     <a:solidFill>
                       <a:srgbClr val="000000"/>
                     </a:solidFill>
@@ -10321,7 +10321,7 @@
               </a:ln>
               <a:extLst>
                 <a:ext uri="{91240B29-F687-4f45-9708-019B960494DF}">
-                  <a14:hiddenLine xmlns:a14="http://schemas.microsoft.com/office/drawing/2010/main" xmlns="" w="9525">
+                  <a14:hiddenLine xmlns="" xmlns:a14="http://schemas.microsoft.com/office/drawing/2010/main" w="9525">
                     <a:solidFill>
                       <a:srgbClr val="000000"/>
                     </a:solidFill>
@@ -10386,7 +10386,7 @@
               </a:ln>
               <a:extLst>
                 <a:ext uri="{91240B29-F687-4f45-9708-019B960494DF}">
-                  <a14:hiddenLine xmlns:a14="http://schemas.microsoft.com/office/drawing/2010/main" xmlns="" w="9525">
+                  <a14:hiddenLine xmlns="" xmlns:a14="http://schemas.microsoft.com/office/drawing/2010/main" w="9525">
                     <a:solidFill>
                       <a:srgbClr val="000000"/>
                     </a:solidFill>
@@ -10476,7 +10476,7 @@
               </a:ln>
               <a:extLst>
                 <a:ext uri="{91240B29-F687-4f45-9708-019B960494DF}">
-                  <a14:hiddenLine xmlns:a14="http://schemas.microsoft.com/office/drawing/2010/main" xmlns="" w="9525">
+                  <a14:hiddenLine xmlns="" xmlns:a14="http://schemas.microsoft.com/office/drawing/2010/main" w="9525">
                     <a:solidFill>
                       <a:srgbClr val="000000"/>
                     </a:solidFill>
@@ -10538,7 +10538,7 @@
               </a:ln>
               <a:extLst>
                 <a:ext uri="{91240B29-F687-4f45-9708-019B960494DF}">
-                  <a14:hiddenLine xmlns:a14="http://schemas.microsoft.com/office/drawing/2010/main" xmlns="" w="9525">
+                  <a14:hiddenLine xmlns="" xmlns:a14="http://schemas.microsoft.com/office/drawing/2010/main" w="9525">
                     <a:solidFill>
                       <a:srgbClr val="000000"/>
                     </a:solidFill>
@@ -10628,7 +10628,7 @@
               </a:ln>
               <a:extLst>
                 <a:ext uri="{91240B29-F687-4f45-9708-019B960494DF}">
-                  <a14:hiddenLine xmlns:a14="http://schemas.microsoft.com/office/drawing/2010/main" xmlns="" w="9525">
+                  <a14:hiddenLine xmlns="" xmlns:a14="http://schemas.microsoft.com/office/drawing/2010/main" w="9525">
                     <a:solidFill>
                       <a:srgbClr val="000000"/>
                     </a:solidFill>
@@ -10693,7 +10693,7 @@
               </a:ln>
               <a:extLst>
                 <a:ext uri="{91240B29-F687-4f45-9708-019B960494DF}">
-                  <a14:hiddenLine xmlns:a14="http://schemas.microsoft.com/office/drawing/2010/main" xmlns="" w="9525">
+                  <a14:hiddenLine xmlns="" xmlns:a14="http://schemas.microsoft.com/office/drawing/2010/main" w="9525">
                     <a:solidFill>
                       <a:srgbClr val="000000"/>
                     </a:solidFill>
@@ -10755,7 +10755,7 @@
               </a:ln>
               <a:extLst>
                 <a:ext uri="{91240B29-F687-4f45-9708-019B960494DF}">
-                  <a14:hiddenLine xmlns:a14="http://schemas.microsoft.com/office/drawing/2010/main" xmlns="" w="9525">
+                  <a14:hiddenLine xmlns="" xmlns:a14="http://schemas.microsoft.com/office/drawing/2010/main" w="9525">
                     <a:solidFill>
                       <a:srgbClr val="000000"/>
                     </a:solidFill>
@@ -10845,7 +10845,7 @@
               </a:ln>
               <a:extLst>
                 <a:ext uri="{91240B29-F687-4f45-9708-019B960494DF}">
-                  <a14:hiddenLine xmlns:a14="http://schemas.microsoft.com/office/drawing/2010/main" xmlns="" w="9525">
+                  <a14:hiddenLine xmlns="" xmlns:a14="http://schemas.microsoft.com/office/drawing/2010/main" w="9525">
                     <a:solidFill>
                       <a:srgbClr val="000000"/>
                     </a:solidFill>
@@ -10935,7 +10935,7 @@
               </a:ln>
               <a:extLst>
                 <a:ext uri="{91240B29-F687-4f45-9708-019B960494DF}">
-                  <a14:hiddenLine xmlns:a14="http://schemas.microsoft.com/office/drawing/2010/main" xmlns="" w="9525">
+                  <a14:hiddenLine xmlns="" xmlns:a14="http://schemas.microsoft.com/office/drawing/2010/main" w="9525">
                     <a:solidFill>
                       <a:srgbClr val="000000"/>
                     </a:solidFill>
@@ -11000,7 +11000,7 @@
               </a:ln>
               <a:extLst>
                 <a:ext uri="{91240B29-F687-4f45-9708-019B960494DF}">
-                  <a14:hiddenLine xmlns:a14="http://schemas.microsoft.com/office/drawing/2010/main" xmlns="" w="9525">
+                  <a14:hiddenLine xmlns="" xmlns:a14="http://schemas.microsoft.com/office/drawing/2010/main" w="9525">
                     <a:solidFill>
                       <a:srgbClr val="000000"/>
                     </a:solidFill>
@@ -11120,7 +11120,7 @@
               </a:ln>
               <a:extLst>
                 <a:ext uri="{91240B29-F687-4f45-9708-019B960494DF}">
-                  <a14:hiddenLine xmlns:a14="http://schemas.microsoft.com/office/drawing/2010/main" xmlns="" w="9525">
+                  <a14:hiddenLine xmlns="" xmlns:a14="http://schemas.microsoft.com/office/drawing/2010/main" w="9525">
                     <a:solidFill>
                       <a:srgbClr val="000000"/>
                     </a:solidFill>
@@ -11218,7 +11218,7 @@
               </a:ln>
               <a:extLst>
                 <a:ext uri="{91240B29-F687-4f45-9708-019B960494DF}">
-                  <a14:hiddenLine xmlns:a14="http://schemas.microsoft.com/office/drawing/2010/main" xmlns="" w="9525">
+                  <a14:hiddenLine xmlns="" xmlns:a14="http://schemas.microsoft.com/office/drawing/2010/main" w="9525">
                     <a:solidFill>
                       <a:srgbClr val="000000"/>
                     </a:solidFill>
@@ -11333,7 +11333,7 @@
               </a:ln>
               <a:extLst>
                 <a:ext uri="{91240B29-F687-4f45-9708-019B960494DF}">
-                  <a14:hiddenLine xmlns:a14="http://schemas.microsoft.com/office/drawing/2010/main" xmlns="" w="9525">
+                  <a14:hiddenLine xmlns="" xmlns:a14="http://schemas.microsoft.com/office/drawing/2010/main" w="9525">
                     <a:solidFill>
                       <a:srgbClr val="000000"/>
                     </a:solidFill>
@@ -11423,7 +11423,7 @@
               </a:ln>
               <a:extLst>
                 <a:ext uri="{91240B29-F687-4f45-9708-019B960494DF}">
-                  <a14:hiddenLine xmlns:a14="http://schemas.microsoft.com/office/drawing/2010/main" xmlns="" w="9525">
+                  <a14:hiddenLine xmlns="" xmlns:a14="http://schemas.microsoft.com/office/drawing/2010/main" w="9525">
                     <a:solidFill>
                       <a:srgbClr val="000000"/>
                     </a:solidFill>
@@ -11488,7 +11488,7 @@
               </a:ln>
               <a:extLst>
                 <a:ext uri="{91240B29-F687-4f45-9708-019B960494DF}">
-                  <a14:hiddenLine xmlns:a14="http://schemas.microsoft.com/office/drawing/2010/main" xmlns="" w="9525">
+                  <a14:hiddenLine xmlns="" xmlns:a14="http://schemas.microsoft.com/office/drawing/2010/main" w="9525">
                     <a:solidFill>
                       <a:srgbClr val="000000"/>
                     </a:solidFill>
@@ -11578,7 +11578,7 @@
               </a:ln>
               <a:extLst>
                 <a:ext uri="{91240B29-F687-4f45-9708-019B960494DF}">
-                  <a14:hiddenLine xmlns:a14="http://schemas.microsoft.com/office/drawing/2010/main" xmlns="" w="9525">
+                  <a14:hiddenLine xmlns="" xmlns:a14="http://schemas.microsoft.com/office/drawing/2010/main" w="9525">
                     <a:solidFill>
                       <a:srgbClr val="000000"/>
                     </a:solidFill>
@@ -11646,7 +11646,7 @@
               </a:ln>
               <a:extLst>
                 <a:ext uri="{91240B29-F687-4f45-9708-019B960494DF}">
-                  <a14:hiddenLine xmlns:a14="http://schemas.microsoft.com/office/drawing/2010/main" xmlns="" w="9525">
+                  <a14:hiddenLine xmlns="" xmlns:a14="http://schemas.microsoft.com/office/drawing/2010/main" w="9525">
                     <a:solidFill>
                       <a:srgbClr val="000000"/>
                     </a:solidFill>
@@ -11736,7 +11736,7 @@
               </a:ln>
               <a:extLst>
                 <a:ext uri="{91240B29-F687-4f45-9708-019B960494DF}">
-                  <a14:hiddenLine xmlns:a14="http://schemas.microsoft.com/office/drawing/2010/main" xmlns="" w="9525">
+                  <a14:hiddenLine xmlns="" xmlns:a14="http://schemas.microsoft.com/office/drawing/2010/main" w="9525">
                     <a:solidFill>
                       <a:srgbClr val="000000"/>
                     </a:solidFill>
@@ -11804,7 +11804,7 @@
               </a:ln>
               <a:extLst>
                 <a:ext uri="{91240B29-F687-4f45-9708-019B960494DF}">
-                  <a14:hiddenLine xmlns:a14="http://schemas.microsoft.com/office/drawing/2010/main" xmlns="" w="9525">
+                  <a14:hiddenLine xmlns="" xmlns:a14="http://schemas.microsoft.com/office/drawing/2010/main" w="9525">
                     <a:solidFill>
                       <a:srgbClr val="000000"/>
                     </a:solidFill>
@@ -11894,7 +11894,7 @@
               </a:ln>
               <a:extLst>
                 <a:ext uri="{91240B29-F687-4f45-9708-019B960494DF}">
-                  <a14:hiddenLine xmlns:a14="http://schemas.microsoft.com/office/drawing/2010/main" xmlns="" w="9525">
+                  <a14:hiddenLine xmlns="" xmlns:a14="http://schemas.microsoft.com/office/drawing/2010/main" w="9525">
                     <a:solidFill>
                       <a:srgbClr val="000000"/>
                     </a:solidFill>
@@ -11928,7 +11928,7 @@
               </a:ln>
               <a:extLst>
                 <a:ext uri="{91240B29-F687-4f45-9708-019B960494DF}">
-                  <a14:hiddenLine xmlns:a14="http://schemas.microsoft.com/office/drawing/2010/main" xmlns="" w="9525">
+                  <a14:hiddenLine xmlns="" xmlns:a14="http://schemas.microsoft.com/office/drawing/2010/main" w="9525">
                     <a:solidFill>
                       <a:srgbClr val="000000"/>
                     </a:solidFill>
@@ -12623,13 +12623,8 @@
           <a:p>
             <a:r>
               <a:rPr lang="pt-BR" sz="2000" dirty="0"/>
-              <a:t>Utilizando o padrão Decorator foi criada uma forma de acrescentar adicionais à um objeto Sorvete, sem alterar as classes já implementadas (em tempo </a:t>
+              <a:t>Utilizando o padrão Decorator foi criada uma forma de acrescentar adicionais à um objeto Sorvete, sem alterar as classes já implementadas (em tempo de execução):</a:t>
             </a:r>
-            <a:r>
-              <a:rPr lang="pt-BR" sz="2000"/>
-              <a:t>de execução):</a:t>
-            </a:r>
-            <a:endParaRPr lang="pt-BR" sz="2000" dirty="0"/>
           </a:p>
           <a:p>
             <a:pPr marL="0" indent="0">
@@ -12648,47 +12643,6 @@
           </a:p>
         </p:txBody>
       </p:sp>
-      <p:pic>
-        <p:nvPicPr>
-          <p:cNvPr id="2050" name="Picture 2" descr="Resultado de imagem para meme"/>
-          <p:cNvPicPr>
-            <a:picLocks noChangeAspect="1" noChangeArrowheads="1"/>
-          </p:cNvPicPr>
-          <p:nvPr/>
-        </p:nvPicPr>
-        <p:blipFill>
-          <a:blip r:embed="rId2">
-            <a:extLst>
-              <a:ext uri="{28A0092B-C50C-407E-A947-70E740481C1C}">
-                <a14:useLocalDpi xmlns:a14="http://schemas.microsoft.com/office/drawing/2010/main" val="0"/>
-              </a:ext>
-            </a:extLst>
-          </a:blip>
-          <a:srcRect/>
-          <a:stretch>
-            <a:fillRect/>
-          </a:stretch>
-        </p:blipFill>
-        <p:spPr bwMode="auto">
-          <a:xfrm>
-            <a:off x="3198657" y="2592812"/>
-            <a:ext cx="6000750" cy="3381375"/>
-          </a:xfrm>
-          <a:prstGeom prst="rect">
-            <a:avLst/>
-          </a:prstGeom>
-          <a:noFill/>
-          <a:extLst>
-            <a:ext uri="{909E8E84-426E-40DD-AFC4-6F175D3DCCD1}">
-              <a14:hiddenFill xmlns:a14="http://schemas.microsoft.com/office/drawing/2010/main">
-                <a:solidFill>
-                  <a:srgbClr val="FFFFFF"/>
-                </a:solidFill>
-              </a14:hiddenFill>
-            </a:ext>
-          </a:extLst>
-        </p:spPr>
-      </p:pic>
       <p:sp>
         <p:nvSpPr>
           <p:cNvPr id="7" name="Título 1"/>
@@ -13050,7 +13004,7 @@
         </p:blipFill>
         <p:spPr>
           <a:xfrm>
-            <a:off x="880899" y="2679304"/>
+            <a:off x="0" y="3400425"/>
             <a:ext cx="4105275" cy="3457575"/>
           </a:xfrm>
           <a:prstGeom prst="rect">
@@ -13074,7 +13028,7 @@
         </p:blipFill>
         <p:spPr>
           <a:xfrm>
-            <a:off x="4010936" y="3127415"/>
+            <a:off x="3781265" y="3443287"/>
             <a:ext cx="4572000" cy="3390900"/>
           </a:xfrm>
           <a:prstGeom prst="rect">
@@ -13098,7 +13052,7 @@
         </p:blipFill>
         <p:spPr>
           <a:xfrm>
-            <a:off x="7691160" y="3290685"/>
+            <a:off x="8353265" y="3424237"/>
             <a:ext cx="3886200" cy="3409950"/>
           </a:xfrm>
           <a:prstGeom prst="rect">
@@ -13116,195 +13070,6 @@
   <p:clrMapOvr>
     <a:masterClrMapping/>
   </p:clrMapOvr>
-  <p:timing>
-    <p:tnLst>
-      <p:par>
-        <p:cTn id="1" dur="indefinite" restart="never" nodeType="tmRoot">
-          <p:childTnLst>
-            <p:seq concurrent="1" nextAc="seek">
-              <p:cTn id="2" dur="indefinite" nodeType="mainSeq">
-                <p:childTnLst>
-                  <p:par>
-                    <p:cTn id="3" fill="hold">
-                      <p:stCondLst>
-                        <p:cond delay="indefinite"/>
-                      </p:stCondLst>
-                      <p:childTnLst>
-                        <p:par>
-                          <p:cTn id="4" fill="hold">
-                            <p:stCondLst>
-                              <p:cond delay="0"/>
-                            </p:stCondLst>
-                            <p:childTnLst>
-                              <p:par>
-                                <p:cTn id="5" presetID="16" presetClass="entr" presetSubtype="21" fill="hold" nodeType="clickEffect">
-                                  <p:stCondLst>
-                                    <p:cond delay="0"/>
-                                  </p:stCondLst>
-                                  <p:childTnLst>
-                                    <p:set>
-                                      <p:cBhvr>
-                                        <p:cTn id="6" dur="1" fill="hold">
-                                          <p:stCondLst>
-                                            <p:cond delay="0"/>
-                                          </p:stCondLst>
-                                        </p:cTn>
-                                        <p:tgtEl>
-                                          <p:spTgt spid="7"/>
-                                        </p:tgtEl>
-                                        <p:attrNameLst>
-                                          <p:attrName>style.visibility</p:attrName>
-                                        </p:attrNameLst>
-                                      </p:cBhvr>
-                                      <p:to>
-                                        <p:strVal val="visible"/>
-                                      </p:to>
-                                    </p:set>
-                                    <p:animEffect transition="in" filter="barn(inVertical)">
-                                      <p:cBhvr>
-                                        <p:cTn id="7" dur="500"/>
-                                        <p:tgtEl>
-                                          <p:spTgt spid="7"/>
-                                        </p:tgtEl>
-                                      </p:cBhvr>
-                                    </p:animEffect>
-                                  </p:childTnLst>
-                                </p:cTn>
-                              </p:par>
-                            </p:childTnLst>
-                          </p:cTn>
-                        </p:par>
-                      </p:childTnLst>
-                    </p:cTn>
-                  </p:par>
-                  <p:par>
-                    <p:cTn id="8" fill="hold">
-                      <p:stCondLst>
-                        <p:cond delay="indefinite"/>
-                      </p:stCondLst>
-                      <p:childTnLst>
-                        <p:par>
-                          <p:cTn id="9" fill="hold">
-                            <p:stCondLst>
-                              <p:cond delay="0"/>
-                            </p:stCondLst>
-                            <p:childTnLst>
-                              <p:par>
-                                <p:cTn id="10" presetID="16" presetClass="entr" presetSubtype="21" fill="hold" nodeType="clickEffect">
-                                  <p:stCondLst>
-                                    <p:cond delay="0"/>
-                                  </p:stCondLst>
-                                  <p:childTnLst>
-                                    <p:set>
-                                      <p:cBhvr>
-                                        <p:cTn id="11" dur="1" fill="hold">
-                                          <p:stCondLst>
-                                            <p:cond delay="0"/>
-                                          </p:stCondLst>
-                                        </p:cTn>
-                                        <p:tgtEl>
-                                          <p:spTgt spid="8"/>
-                                        </p:tgtEl>
-                                        <p:attrNameLst>
-                                          <p:attrName>style.visibility</p:attrName>
-                                        </p:attrNameLst>
-                                      </p:cBhvr>
-                                      <p:to>
-                                        <p:strVal val="visible"/>
-                                      </p:to>
-                                    </p:set>
-                                    <p:animEffect transition="in" filter="barn(inVertical)">
-                                      <p:cBhvr>
-                                        <p:cTn id="12" dur="500"/>
-                                        <p:tgtEl>
-                                          <p:spTgt spid="8"/>
-                                        </p:tgtEl>
-                                      </p:cBhvr>
-                                    </p:animEffect>
-                                  </p:childTnLst>
-                                </p:cTn>
-                              </p:par>
-                            </p:childTnLst>
-                          </p:cTn>
-                        </p:par>
-                      </p:childTnLst>
-                    </p:cTn>
-                  </p:par>
-                  <p:par>
-                    <p:cTn id="13" fill="hold">
-                      <p:stCondLst>
-                        <p:cond delay="indefinite"/>
-                      </p:stCondLst>
-                      <p:childTnLst>
-                        <p:par>
-                          <p:cTn id="14" fill="hold">
-                            <p:stCondLst>
-                              <p:cond delay="0"/>
-                            </p:stCondLst>
-                            <p:childTnLst>
-                              <p:par>
-                                <p:cTn id="15" presetID="16" presetClass="entr" presetSubtype="21" fill="hold" nodeType="clickEffect">
-                                  <p:stCondLst>
-                                    <p:cond delay="0"/>
-                                  </p:stCondLst>
-                                  <p:childTnLst>
-                                    <p:set>
-                                      <p:cBhvr>
-                                        <p:cTn id="16" dur="1" fill="hold">
-                                          <p:stCondLst>
-                                            <p:cond delay="0"/>
-                                          </p:stCondLst>
-                                        </p:cTn>
-                                        <p:tgtEl>
-                                          <p:spTgt spid="9"/>
-                                        </p:tgtEl>
-                                        <p:attrNameLst>
-                                          <p:attrName>style.visibility</p:attrName>
-                                        </p:attrNameLst>
-                                      </p:cBhvr>
-                                      <p:to>
-                                        <p:strVal val="visible"/>
-                                      </p:to>
-                                    </p:set>
-                                    <p:animEffect transition="in" filter="barn(inVertical)">
-                                      <p:cBhvr>
-                                        <p:cTn id="17" dur="500"/>
-                                        <p:tgtEl>
-                                          <p:spTgt spid="9"/>
-                                        </p:tgtEl>
-                                      </p:cBhvr>
-                                    </p:animEffect>
-                                  </p:childTnLst>
-                                </p:cTn>
-                              </p:par>
-                            </p:childTnLst>
-                          </p:cTn>
-                        </p:par>
-                      </p:childTnLst>
-                    </p:cTn>
-                  </p:par>
-                </p:childTnLst>
-              </p:cTn>
-              <p:prevCondLst>
-                <p:cond evt="onPrev" delay="0">
-                  <p:tgtEl>
-                    <p:sldTgt/>
-                  </p:tgtEl>
-                </p:cond>
-              </p:prevCondLst>
-              <p:nextCondLst>
-                <p:cond evt="onNext" delay="0">
-                  <p:tgtEl>
-                    <p:sldTgt/>
-                  </p:tgtEl>
-                </p:cond>
-              </p:nextCondLst>
-            </p:seq>
-          </p:childTnLst>
-        </p:cTn>
-      </p:par>
-    </p:tnLst>
-  </p:timing>
 </p:sld>
 </file>
 
@@ -13373,7 +13138,7 @@
         </p:nvSpPr>
         <p:spPr>
           <a:xfrm>
-            <a:off x="2152053" y="1338942"/>
+            <a:off x="1173259" y="993946"/>
             <a:ext cx="9543178" cy="5176157"/>
           </a:xfrm>
         </p:spPr>
@@ -13390,6 +13155,47 @@
             </a:r>
           </a:p>
           <a:p>
+            <a:pPr marL="514350" lvl="0" indent="-514350">
+              <a:buFont typeface="+mj-lt"/>
+              <a:buAutoNum type="arabicPeriod"/>
+            </a:pPr>
+            <a:r>
+              <a:rPr lang="pt-BR" sz="2000" dirty="0"/>
+              <a:t>Maior flexibilidade</a:t>
+            </a:r>
+          </a:p>
+          <a:p>
+            <a:pPr marL="514350" lvl="0" indent="-514350">
+              <a:buFont typeface="+mj-lt"/>
+              <a:buAutoNum type="arabicPeriod"/>
+            </a:pPr>
+            <a:r>
+              <a:rPr lang="pt-BR" sz="2000" dirty="0"/>
+              <a:t>Evita excesso de funcionalidade nas classes</a:t>
+            </a:r>
+          </a:p>
+          <a:p>
+            <a:pPr marL="514350" lvl="0" indent="-514350">
+              <a:buFont typeface="+mj-lt"/>
+              <a:buAutoNum type="arabicPeriod"/>
+            </a:pPr>
+            <a:r>
+              <a:rPr lang="pt-BR" sz="2000" dirty="0"/>
+              <a:t>Adição da mesma propriedade mais de uma vez</a:t>
+            </a:r>
+          </a:p>
+          <a:p>
+            <a:pPr marL="514350" lvl="0" indent="-514350">
+              <a:buFont typeface="+mj-lt"/>
+              <a:buAutoNum type="arabicPeriod"/>
+            </a:pPr>
+            <a:r>
+              <a:rPr lang="pt-BR" sz="2000" dirty="0"/>
+              <a:t>Código mais universal</a:t>
+            </a:r>
+            <a:endParaRPr lang="pt-BR" sz="1800" dirty="0"/>
+          </a:p>
+          <a:p>
             <a:pPr lvl="0"/>
             <a:r>
               <a:rPr lang="pt-BR" sz="2800" dirty="0"/>
@@ -13398,54 +13204,28 @@
             <a:endParaRPr lang="pt-BR" sz="3200" dirty="0"/>
           </a:p>
           <a:p>
-            <a:pPr marL="0" indent="0">
-              <a:buNone/>
+            <a:pPr marL="457200" indent="-457200">
+              <a:buFont typeface="+mj-lt"/>
+              <a:buAutoNum type="arabicPeriod"/>
             </a:pPr>
-            <a:endParaRPr lang="pt-BR" dirty="0"/>
+            <a:r>
+              <a:rPr lang="pt-BR" sz="2000" dirty="0"/>
+              <a:t>Comparações tornam-se mais complexas</a:t>
+            </a:r>
+            <a:endParaRPr lang="pt-BR" sz="1600" dirty="0"/>
+          </a:p>
+          <a:p>
+            <a:pPr marL="457200" indent="-457200">
+              <a:buFont typeface="+mj-lt"/>
+              <a:buAutoNum type="arabicPeriod"/>
+            </a:pPr>
+            <a:r>
+              <a:rPr lang="pt-BR" sz="2000" dirty="0"/>
+              <a:t>Pode diminuir a eficiência</a:t>
+            </a:r>
           </a:p>
         </p:txBody>
       </p:sp>
-      <p:pic>
-        <p:nvPicPr>
-          <p:cNvPr id="4098" name="Picture 2" descr="Resultado de imagem para meme"/>
-          <p:cNvPicPr>
-            <a:picLocks noChangeAspect="1" noChangeArrowheads="1"/>
-          </p:cNvPicPr>
-          <p:nvPr/>
-        </p:nvPicPr>
-        <p:blipFill>
-          <a:blip r:embed="rId2">
-            <a:extLst>
-              <a:ext uri="{28A0092B-C50C-407E-A947-70E740481C1C}">
-                <a14:useLocalDpi xmlns:a14="http://schemas.microsoft.com/office/drawing/2010/main" val="0"/>
-              </a:ext>
-            </a:extLst>
-          </a:blip>
-          <a:srcRect/>
-          <a:stretch>
-            <a:fillRect/>
-          </a:stretch>
-        </p:blipFill>
-        <p:spPr bwMode="auto">
-          <a:xfrm>
-            <a:off x="3130848" y="2964179"/>
-            <a:ext cx="6599886" cy="3293343"/>
-          </a:xfrm>
-          <a:prstGeom prst="rect">
-            <a:avLst/>
-          </a:prstGeom>
-          <a:noFill/>
-          <a:extLst>
-            <a:ext uri="{909E8E84-426E-40DD-AFC4-6F175D3DCCD1}">
-              <a14:hiddenFill xmlns:a14="http://schemas.microsoft.com/office/drawing/2010/main">
-                <a:solidFill>
-                  <a:srgbClr val="FFFFFF"/>
-                </a:solidFill>
-              </a14:hiddenFill>
-            </a:ext>
-          </a:extLst>
-        </p:spPr>
-      </p:pic>
     </p:spTree>
     <p:extLst>
       <p:ext uri="{BB962C8B-B14F-4D97-AF65-F5344CB8AC3E}">
@@ -13773,6 +13553,24 @@
               <a:t>Características.</a:t>
             </a:r>
           </a:p>
+          <a:p>
+            <a:pPr lvl="0"/>
+            <a:r>
+              <a:rPr lang="pt-BR" sz="2000" dirty="0"/>
+              <a:t>Supertipo</a:t>
+            </a:r>
+          </a:p>
+          <a:p>
+            <a:pPr lvl="0"/>
+            <a:r>
+              <a:rPr lang="pt-BR" sz="2000" dirty="0"/>
+              <a:t>Múltiplos Decoradores</a:t>
+            </a:r>
+          </a:p>
+          <a:p>
+            <a:pPr lvl="0"/>
+            <a:endParaRPr lang="pt-BR" sz="2000" dirty="0"/>
+          </a:p>
         </p:txBody>
       </p:sp>
     </p:spTree>
@@ -14028,11 +13826,7 @@
           <a:p>
             <a:r>
               <a:rPr lang="pt-BR" dirty="0"/>
-              <a:t>Diversas </a:t>
-            </a:r>
-            <a:r>
-              <a:rPr lang="pt-BR" dirty="0" err="1"/>
-              <a:t>combinaçõs</a:t>
+              <a:t>Diversas combinações</a:t>
             </a:r>
             <a:br>
               <a:rPr lang="pt-BR" dirty="0"/>
@@ -14209,7 +14003,7 @@
         </p:blipFill>
         <p:spPr>
           <a:xfrm>
-            <a:off x="691064" y="796362"/>
+            <a:off x="619602" y="712370"/>
             <a:ext cx="4844200" cy="3302039"/>
           </a:xfrm>
           <a:prstGeom prst="rect">
@@ -14233,7 +14027,7 @@
         </p:blipFill>
         <p:spPr>
           <a:xfrm>
-            <a:off x="4902300" y="1002238"/>
+            <a:off x="6486402" y="216627"/>
             <a:ext cx="5153025" cy="3302039"/>
           </a:xfrm>
           <a:prstGeom prst="rect">
@@ -14257,7 +14051,7 @@
         </p:blipFill>
         <p:spPr>
           <a:xfrm>
-            <a:off x="1268942" y="2669219"/>
+            <a:off x="797310" y="3346216"/>
             <a:ext cx="4938490" cy="3302039"/>
           </a:xfrm>
           <a:prstGeom prst="rect">
@@ -14281,53 +14075,12 @@
         </p:blipFill>
         <p:spPr>
           <a:xfrm>
-            <a:off x="4902300" y="3396952"/>
+            <a:off x="6486402" y="3518666"/>
             <a:ext cx="5078836" cy="3275755"/>
           </a:xfrm>
           <a:prstGeom prst="rect">
             <a:avLst/>
           </a:prstGeom>
-        </p:spPr>
-      </p:pic>
-      <p:pic>
-        <p:nvPicPr>
-          <p:cNvPr id="8" name="Picture 2" descr="Resultado de imagem para meme"/>
-          <p:cNvPicPr>
-            <a:picLocks noChangeAspect="1" noChangeArrowheads="1"/>
-          </p:cNvPicPr>
-          <p:nvPr/>
-        </p:nvPicPr>
-        <p:blipFill>
-          <a:blip r:embed="rId6">
-            <a:extLst>
-              <a:ext uri="{28A0092B-C50C-407E-A947-70E740481C1C}">
-                <a14:useLocalDpi xmlns:a14="http://schemas.microsoft.com/office/drawing/2010/main" val="0"/>
-              </a:ext>
-            </a:extLst>
-          </a:blip>
-          <a:srcRect/>
-          <a:stretch>
-            <a:fillRect/>
-          </a:stretch>
-        </p:blipFill>
-        <p:spPr bwMode="auto">
-          <a:xfrm>
-            <a:off x="2895163" y="1408425"/>
-            <a:ext cx="5715000" cy="4876800"/>
-          </a:xfrm>
-          <a:prstGeom prst="rect">
-            <a:avLst/>
-          </a:prstGeom>
-          <a:noFill/>
-          <a:extLst>
-            <a:ext uri="{909E8E84-426E-40DD-AFC4-6F175D3DCCD1}">
-              <a14:hiddenFill xmlns:a14="http://schemas.microsoft.com/office/drawing/2010/main">
-                <a:solidFill>
-                  <a:srgbClr val="FFFFFF"/>
-                </a:solidFill>
-              </a14:hiddenFill>
-            </a:ext>
-          </a:extLst>
         </p:spPr>
       </p:pic>
     </p:spTree>
@@ -14340,522 +14093,6 @@
   <p:clrMapOvr>
     <a:masterClrMapping/>
   </p:clrMapOvr>
-  <p:timing>
-    <p:tnLst>
-      <p:par>
-        <p:cTn id="1" dur="indefinite" restart="never" nodeType="tmRoot">
-          <p:childTnLst>
-            <p:seq concurrent="1" nextAc="seek">
-              <p:cTn id="2" dur="indefinite" nodeType="mainSeq">
-                <p:childTnLst>
-                  <p:par>
-                    <p:cTn id="3" fill="hold">
-                      <p:stCondLst>
-                        <p:cond delay="indefinite"/>
-                      </p:stCondLst>
-                      <p:childTnLst>
-                        <p:par>
-                          <p:cTn id="4" fill="hold">
-                            <p:stCondLst>
-                              <p:cond delay="0"/>
-                            </p:stCondLst>
-                            <p:childTnLst>
-                              <p:par>
-                                <p:cTn id="5" presetID="2" presetClass="entr" presetSubtype="4" fill="hold" nodeType="clickEffect">
-                                  <p:stCondLst>
-                                    <p:cond delay="0"/>
-                                  </p:stCondLst>
-                                  <p:childTnLst>
-                                    <p:set>
-                                      <p:cBhvr>
-                                        <p:cTn id="6" dur="1" fill="hold">
-                                          <p:stCondLst>
-                                            <p:cond delay="0"/>
-                                          </p:stCondLst>
-                                        </p:cTn>
-                                        <p:tgtEl>
-                                          <p:spTgt spid="4"/>
-                                        </p:tgtEl>
-                                        <p:attrNameLst>
-                                          <p:attrName>style.visibility</p:attrName>
-                                        </p:attrNameLst>
-                                      </p:cBhvr>
-                                      <p:to>
-                                        <p:strVal val="visible"/>
-                                      </p:to>
-                                    </p:set>
-                                    <p:anim calcmode="lin" valueType="num">
-                                      <p:cBhvr additive="base">
-                                        <p:cTn id="7" dur="500" fill="hold"/>
-                                        <p:tgtEl>
-                                          <p:spTgt spid="4"/>
-                                        </p:tgtEl>
-                                        <p:attrNameLst>
-                                          <p:attrName>ppt_x</p:attrName>
-                                        </p:attrNameLst>
-                                      </p:cBhvr>
-                                      <p:tavLst>
-                                        <p:tav tm="0">
-                                          <p:val>
-                                            <p:strVal val="#ppt_x"/>
-                                          </p:val>
-                                        </p:tav>
-                                        <p:tav tm="100000">
-                                          <p:val>
-                                            <p:strVal val="#ppt_x"/>
-                                          </p:val>
-                                        </p:tav>
-                                      </p:tavLst>
-                                    </p:anim>
-                                    <p:anim calcmode="lin" valueType="num">
-                                      <p:cBhvr additive="base">
-                                        <p:cTn id="8" dur="500" fill="hold"/>
-                                        <p:tgtEl>
-                                          <p:spTgt spid="4"/>
-                                        </p:tgtEl>
-                                        <p:attrNameLst>
-                                          <p:attrName>ppt_y</p:attrName>
-                                        </p:attrNameLst>
-                                      </p:cBhvr>
-                                      <p:tavLst>
-                                        <p:tav tm="0">
-                                          <p:val>
-                                            <p:strVal val="1+#ppt_h/2"/>
-                                          </p:val>
-                                        </p:tav>
-                                        <p:tav tm="100000">
-                                          <p:val>
-                                            <p:strVal val="#ppt_y"/>
-                                          </p:val>
-                                        </p:tav>
-                                      </p:tavLst>
-                                    </p:anim>
-                                  </p:childTnLst>
-                                </p:cTn>
-                              </p:par>
-                            </p:childTnLst>
-                          </p:cTn>
-                        </p:par>
-                      </p:childTnLst>
-                    </p:cTn>
-                  </p:par>
-                  <p:par>
-                    <p:cTn id="9" fill="hold">
-                      <p:stCondLst>
-                        <p:cond delay="indefinite"/>
-                      </p:stCondLst>
-                      <p:childTnLst>
-                        <p:par>
-                          <p:cTn id="10" fill="hold">
-                            <p:stCondLst>
-                              <p:cond delay="0"/>
-                            </p:stCondLst>
-                            <p:childTnLst>
-                              <p:par>
-                                <p:cTn id="11" presetID="2" presetClass="entr" presetSubtype="4" fill="hold" nodeType="clickEffect">
-                                  <p:stCondLst>
-                                    <p:cond delay="0"/>
-                                  </p:stCondLst>
-                                  <p:childTnLst>
-                                    <p:set>
-                                      <p:cBhvr>
-                                        <p:cTn id="12" dur="1" fill="hold">
-                                          <p:stCondLst>
-                                            <p:cond delay="0"/>
-                                          </p:stCondLst>
-                                        </p:cTn>
-                                        <p:tgtEl>
-                                          <p:spTgt spid="5"/>
-                                        </p:tgtEl>
-                                        <p:attrNameLst>
-                                          <p:attrName>style.visibility</p:attrName>
-                                        </p:attrNameLst>
-                                      </p:cBhvr>
-                                      <p:to>
-                                        <p:strVal val="visible"/>
-                                      </p:to>
-                                    </p:set>
-                                    <p:anim calcmode="lin" valueType="num">
-                                      <p:cBhvr additive="base">
-                                        <p:cTn id="13" dur="500" fill="hold"/>
-                                        <p:tgtEl>
-                                          <p:spTgt spid="5"/>
-                                        </p:tgtEl>
-                                        <p:attrNameLst>
-                                          <p:attrName>ppt_x</p:attrName>
-                                        </p:attrNameLst>
-                                      </p:cBhvr>
-                                      <p:tavLst>
-                                        <p:tav tm="0">
-                                          <p:val>
-                                            <p:strVal val="#ppt_x"/>
-                                          </p:val>
-                                        </p:tav>
-                                        <p:tav tm="100000">
-                                          <p:val>
-                                            <p:strVal val="#ppt_x"/>
-                                          </p:val>
-                                        </p:tav>
-                                      </p:tavLst>
-                                    </p:anim>
-                                    <p:anim calcmode="lin" valueType="num">
-                                      <p:cBhvr additive="base">
-                                        <p:cTn id="14" dur="500" fill="hold"/>
-                                        <p:tgtEl>
-                                          <p:spTgt spid="5"/>
-                                        </p:tgtEl>
-                                        <p:attrNameLst>
-                                          <p:attrName>ppt_y</p:attrName>
-                                        </p:attrNameLst>
-                                      </p:cBhvr>
-                                      <p:tavLst>
-                                        <p:tav tm="0">
-                                          <p:val>
-                                            <p:strVal val="1+#ppt_h/2"/>
-                                          </p:val>
-                                        </p:tav>
-                                        <p:tav tm="100000">
-                                          <p:val>
-                                            <p:strVal val="#ppt_y"/>
-                                          </p:val>
-                                        </p:tav>
-                                      </p:tavLst>
-                                    </p:anim>
-                                  </p:childTnLst>
-                                </p:cTn>
-                              </p:par>
-                            </p:childTnLst>
-                          </p:cTn>
-                        </p:par>
-                      </p:childTnLst>
-                    </p:cTn>
-                  </p:par>
-                  <p:par>
-                    <p:cTn id="15" fill="hold">
-                      <p:stCondLst>
-                        <p:cond delay="indefinite"/>
-                      </p:stCondLst>
-                      <p:childTnLst>
-                        <p:par>
-                          <p:cTn id="16" fill="hold">
-                            <p:stCondLst>
-                              <p:cond delay="0"/>
-                            </p:stCondLst>
-                            <p:childTnLst>
-                              <p:par>
-                                <p:cTn id="17" presetID="2" presetClass="entr" presetSubtype="4" fill="hold" nodeType="clickEffect">
-                                  <p:stCondLst>
-                                    <p:cond delay="0"/>
-                                  </p:stCondLst>
-                                  <p:childTnLst>
-                                    <p:set>
-                                      <p:cBhvr>
-                                        <p:cTn id="18" dur="1" fill="hold">
-                                          <p:stCondLst>
-                                            <p:cond delay="0"/>
-                                          </p:stCondLst>
-                                        </p:cTn>
-                                        <p:tgtEl>
-                                          <p:spTgt spid="6"/>
-                                        </p:tgtEl>
-                                        <p:attrNameLst>
-                                          <p:attrName>style.visibility</p:attrName>
-                                        </p:attrNameLst>
-                                      </p:cBhvr>
-                                      <p:to>
-                                        <p:strVal val="visible"/>
-                                      </p:to>
-                                    </p:set>
-                                    <p:anim calcmode="lin" valueType="num">
-                                      <p:cBhvr additive="base">
-                                        <p:cTn id="19" dur="500" fill="hold"/>
-                                        <p:tgtEl>
-                                          <p:spTgt spid="6"/>
-                                        </p:tgtEl>
-                                        <p:attrNameLst>
-                                          <p:attrName>ppt_x</p:attrName>
-                                        </p:attrNameLst>
-                                      </p:cBhvr>
-                                      <p:tavLst>
-                                        <p:tav tm="0">
-                                          <p:val>
-                                            <p:strVal val="#ppt_x"/>
-                                          </p:val>
-                                        </p:tav>
-                                        <p:tav tm="100000">
-                                          <p:val>
-                                            <p:strVal val="#ppt_x"/>
-                                          </p:val>
-                                        </p:tav>
-                                      </p:tavLst>
-                                    </p:anim>
-                                    <p:anim calcmode="lin" valueType="num">
-                                      <p:cBhvr additive="base">
-                                        <p:cTn id="20" dur="500" fill="hold"/>
-                                        <p:tgtEl>
-                                          <p:spTgt spid="6"/>
-                                        </p:tgtEl>
-                                        <p:attrNameLst>
-                                          <p:attrName>ppt_y</p:attrName>
-                                        </p:attrNameLst>
-                                      </p:cBhvr>
-                                      <p:tavLst>
-                                        <p:tav tm="0">
-                                          <p:val>
-                                            <p:strVal val="1+#ppt_h/2"/>
-                                          </p:val>
-                                        </p:tav>
-                                        <p:tav tm="100000">
-                                          <p:val>
-                                            <p:strVal val="#ppt_y"/>
-                                          </p:val>
-                                        </p:tav>
-                                      </p:tavLst>
-                                    </p:anim>
-                                  </p:childTnLst>
-                                </p:cTn>
-                              </p:par>
-                            </p:childTnLst>
-                          </p:cTn>
-                        </p:par>
-                      </p:childTnLst>
-                    </p:cTn>
-                  </p:par>
-                  <p:par>
-                    <p:cTn id="21" fill="hold">
-                      <p:stCondLst>
-                        <p:cond delay="indefinite"/>
-                      </p:stCondLst>
-                      <p:childTnLst>
-                        <p:par>
-                          <p:cTn id="22" fill="hold">
-                            <p:stCondLst>
-                              <p:cond delay="0"/>
-                            </p:stCondLst>
-                            <p:childTnLst>
-                              <p:par>
-                                <p:cTn id="23" presetID="2" presetClass="entr" presetSubtype="4" fill="hold" nodeType="clickEffect">
-                                  <p:stCondLst>
-                                    <p:cond delay="0"/>
-                                  </p:stCondLst>
-                                  <p:childTnLst>
-                                    <p:set>
-                                      <p:cBhvr>
-                                        <p:cTn id="24" dur="1" fill="hold">
-                                          <p:stCondLst>
-                                            <p:cond delay="0"/>
-                                          </p:stCondLst>
-                                        </p:cTn>
-                                        <p:tgtEl>
-                                          <p:spTgt spid="7"/>
-                                        </p:tgtEl>
-                                        <p:attrNameLst>
-                                          <p:attrName>style.visibility</p:attrName>
-                                        </p:attrNameLst>
-                                      </p:cBhvr>
-                                      <p:to>
-                                        <p:strVal val="visible"/>
-                                      </p:to>
-                                    </p:set>
-                                    <p:anim calcmode="lin" valueType="num">
-                                      <p:cBhvr additive="base">
-                                        <p:cTn id="25" dur="500" fill="hold"/>
-                                        <p:tgtEl>
-                                          <p:spTgt spid="7"/>
-                                        </p:tgtEl>
-                                        <p:attrNameLst>
-                                          <p:attrName>ppt_x</p:attrName>
-                                        </p:attrNameLst>
-                                      </p:cBhvr>
-                                      <p:tavLst>
-                                        <p:tav tm="0">
-                                          <p:val>
-                                            <p:strVal val="#ppt_x"/>
-                                          </p:val>
-                                        </p:tav>
-                                        <p:tav tm="100000">
-                                          <p:val>
-                                            <p:strVal val="#ppt_x"/>
-                                          </p:val>
-                                        </p:tav>
-                                      </p:tavLst>
-                                    </p:anim>
-                                    <p:anim calcmode="lin" valueType="num">
-                                      <p:cBhvr additive="base">
-                                        <p:cTn id="26" dur="500" fill="hold"/>
-                                        <p:tgtEl>
-                                          <p:spTgt spid="7"/>
-                                        </p:tgtEl>
-                                        <p:attrNameLst>
-                                          <p:attrName>ppt_y</p:attrName>
-                                        </p:attrNameLst>
-                                      </p:cBhvr>
-                                      <p:tavLst>
-                                        <p:tav tm="0">
-                                          <p:val>
-                                            <p:strVal val="1+#ppt_h/2"/>
-                                          </p:val>
-                                        </p:tav>
-                                        <p:tav tm="100000">
-                                          <p:val>
-                                            <p:strVal val="#ppt_y"/>
-                                          </p:val>
-                                        </p:tav>
-                                      </p:tavLst>
-                                    </p:anim>
-                                  </p:childTnLst>
-                                </p:cTn>
-                              </p:par>
-                            </p:childTnLst>
-                          </p:cTn>
-                        </p:par>
-                      </p:childTnLst>
-                    </p:cTn>
-                  </p:par>
-                  <p:par>
-                    <p:cTn id="27" fill="hold">
-                      <p:stCondLst>
-                        <p:cond delay="indefinite"/>
-                      </p:stCondLst>
-                      <p:childTnLst>
-                        <p:par>
-                          <p:cTn id="28" fill="hold">
-                            <p:stCondLst>
-                              <p:cond delay="0"/>
-                            </p:stCondLst>
-                            <p:childTnLst>
-                              <p:par>
-                                <p:cTn id="29" presetID="31" presetClass="entr" presetSubtype="0" fill="hold" nodeType="clickEffect">
-                                  <p:stCondLst>
-                                    <p:cond delay="0"/>
-                                  </p:stCondLst>
-                                  <p:childTnLst>
-                                    <p:set>
-                                      <p:cBhvr>
-                                        <p:cTn id="30" dur="1" fill="hold">
-                                          <p:stCondLst>
-                                            <p:cond delay="0"/>
-                                          </p:stCondLst>
-                                        </p:cTn>
-                                        <p:tgtEl>
-                                          <p:spTgt spid="8"/>
-                                        </p:tgtEl>
-                                        <p:attrNameLst>
-                                          <p:attrName>style.visibility</p:attrName>
-                                        </p:attrNameLst>
-                                      </p:cBhvr>
-                                      <p:to>
-                                        <p:strVal val="visible"/>
-                                      </p:to>
-                                    </p:set>
-                                    <p:anim calcmode="lin" valueType="num">
-                                      <p:cBhvr>
-                                        <p:cTn id="31" dur="1000" fill="hold"/>
-                                        <p:tgtEl>
-                                          <p:spTgt spid="8"/>
-                                        </p:tgtEl>
-                                        <p:attrNameLst>
-                                          <p:attrName>ppt_w</p:attrName>
-                                        </p:attrNameLst>
-                                      </p:cBhvr>
-                                      <p:tavLst>
-                                        <p:tav tm="0">
-                                          <p:val>
-                                            <p:fltVal val="0"/>
-                                          </p:val>
-                                        </p:tav>
-                                        <p:tav tm="100000">
-                                          <p:val>
-                                            <p:strVal val="#ppt_w"/>
-                                          </p:val>
-                                        </p:tav>
-                                      </p:tavLst>
-                                    </p:anim>
-                                    <p:anim calcmode="lin" valueType="num">
-                                      <p:cBhvr>
-                                        <p:cTn id="32" dur="1000" fill="hold"/>
-                                        <p:tgtEl>
-                                          <p:spTgt spid="8"/>
-                                        </p:tgtEl>
-                                        <p:attrNameLst>
-                                          <p:attrName>ppt_h</p:attrName>
-                                        </p:attrNameLst>
-                                      </p:cBhvr>
-                                      <p:tavLst>
-                                        <p:tav tm="0">
-                                          <p:val>
-                                            <p:fltVal val="0"/>
-                                          </p:val>
-                                        </p:tav>
-                                        <p:tav tm="100000">
-                                          <p:val>
-                                            <p:strVal val="#ppt_h"/>
-                                          </p:val>
-                                        </p:tav>
-                                      </p:tavLst>
-                                    </p:anim>
-                                    <p:anim calcmode="lin" valueType="num">
-                                      <p:cBhvr>
-                                        <p:cTn id="33" dur="1000" fill="hold"/>
-                                        <p:tgtEl>
-                                          <p:spTgt spid="8"/>
-                                        </p:tgtEl>
-                                        <p:attrNameLst>
-                                          <p:attrName>style.rotation</p:attrName>
-                                        </p:attrNameLst>
-                                      </p:cBhvr>
-                                      <p:tavLst>
-                                        <p:tav tm="0">
-                                          <p:val>
-                                            <p:fltVal val="90"/>
-                                          </p:val>
-                                        </p:tav>
-                                        <p:tav tm="100000">
-                                          <p:val>
-                                            <p:fltVal val="0"/>
-                                          </p:val>
-                                        </p:tav>
-                                      </p:tavLst>
-                                    </p:anim>
-                                    <p:animEffect transition="in" filter="fade">
-                                      <p:cBhvr>
-                                        <p:cTn id="34" dur="1000"/>
-                                        <p:tgtEl>
-                                          <p:spTgt spid="8"/>
-                                        </p:tgtEl>
-                                      </p:cBhvr>
-                                    </p:animEffect>
-                                  </p:childTnLst>
-                                </p:cTn>
-                              </p:par>
-                            </p:childTnLst>
-                          </p:cTn>
-                        </p:par>
-                      </p:childTnLst>
-                    </p:cTn>
-                  </p:par>
-                </p:childTnLst>
-              </p:cTn>
-              <p:prevCondLst>
-                <p:cond evt="onPrev" delay="0">
-                  <p:tgtEl>
-                    <p:sldTgt/>
-                  </p:tgtEl>
-                </p:cond>
-              </p:prevCondLst>
-              <p:nextCondLst>
-                <p:cond evt="onNext" delay="0">
-                  <p:tgtEl>
-                    <p:sldTgt/>
-                  </p:tgtEl>
-                </p:cond>
-              </p:nextCondLst>
-            </p:seq>
-          </p:childTnLst>
-        </p:cTn>
-      </p:par>
-    </p:tnLst>
-  </p:timing>
 </p:sld>
 </file>
 
@@ -14913,13 +14150,13 @@
             <p:ph idx="1"/>
             <p:extLst>
               <p:ext uri="{D42A27DB-BD31-4B8C-83A1-F6EECF244321}">
-                <p14:modId xmlns:p14="http://schemas.microsoft.com/office/powerpoint/2010/main" val="2815344147"/>
+                <p14:modId xmlns:p14="http://schemas.microsoft.com/office/powerpoint/2010/main" val="242742525"/>
               </p:ext>
             </p:extLst>
           </p:nvPr>
         </p:nvGraphicFramePr>
         <p:xfrm>
-          <a:off x="1141411" y="912232"/>
+          <a:off x="1141411" y="2534970"/>
           <a:ext cx="9906000" cy="1854200"/>
         </p:xfrm>
         <a:graphic>
@@ -15182,47 +14419,6 @@
           </a:graphicData>
         </a:graphic>
       </p:graphicFrame>
-      <p:pic>
-        <p:nvPicPr>
-          <p:cNvPr id="1028" name="Picture 4" descr="Resultado de imagem para nazare meme"/>
-          <p:cNvPicPr>
-            <a:picLocks noChangeAspect="1" noChangeArrowheads="1"/>
-          </p:cNvPicPr>
-          <p:nvPr/>
-        </p:nvPicPr>
-        <p:blipFill>
-          <a:blip r:embed="rId2">
-            <a:extLst>
-              <a:ext uri="{28A0092B-C50C-407E-A947-70E740481C1C}">
-                <a14:useLocalDpi xmlns:a14="http://schemas.microsoft.com/office/drawing/2010/main" val="0"/>
-              </a:ext>
-            </a:extLst>
-          </a:blip>
-          <a:srcRect/>
-          <a:stretch>
-            <a:fillRect/>
-          </a:stretch>
-        </p:blipFill>
-        <p:spPr bwMode="auto">
-          <a:xfrm>
-            <a:off x="3010169" y="2884348"/>
-            <a:ext cx="5798981" cy="3791045"/>
-          </a:xfrm>
-          <a:prstGeom prst="rect">
-            <a:avLst/>
-          </a:prstGeom>
-          <a:noFill/>
-          <a:extLst>
-            <a:ext uri="{909E8E84-426E-40DD-AFC4-6F175D3DCCD1}">
-              <a14:hiddenFill xmlns:a14="http://schemas.microsoft.com/office/drawing/2010/main">
-                <a:solidFill>
-                  <a:srgbClr val="FFFFFF"/>
-                </a:solidFill>
-              </a14:hiddenFill>
-            </a:ext>
-          </a:extLst>
-        </p:spPr>
-      </p:pic>
     </p:spTree>
     <p:extLst>
       <p:ext uri="{BB962C8B-B14F-4D97-AF65-F5344CB8AC3E}">
